--- a/Machine Learning Final Project.pptx
+++ b/Machine Learning Final Project.pptx
@@ -1376,7 +1376,7 @@
         </p:nvSpPr>
         <p:spPr>
           <a:xfrm>
-            <a:off x="381300" y="685800"/>
+            <a:off x="381000" y="685800"/>
             <a:ext cx="6096000" cy="3429000"/>
           </a:xfrm>
           <a:custGeom>
@@ -8532,10 +8532,10 @@
               <a:buChar char="●"/>
             </a:pPr>
             <a:r>
-              <a:rPr lang="en"/>
+              <a:rPr lang="en" dirty="0"/>
               <a:t>Overfitting of the data</a:t>
             </a:r>
-            <a:endParaRPr/>
+            <a:endParaRPr dirty="0"/>
           </a:p>
           <a:p>
             <a:pPr marL="457200" lvl="0" indent="-311150" algn="l" rtl="0">
@@ -8549,10 +8549,10 @@
               <a:buChar char="●"/>
             </a:pPr>
             <a:r>
-              <a:rPr lang="en"/>
+              <a:rPr lang="en" dirty="0"/>
               <a:t>Unclean random data</a:t>
             </a:r>
-            <a:endParaRPr/>
+            <a:endParaRPr dirty="0"/>
           </a:p>
           <a:p>
             <a:pPr marL="457200" lvl="0" indent="-311150" algn="l" rtl="0">
@@ -8566,10 +8566,34 @@
               <a:buChar char="●"/>
             </a:pPr>
             <a:r>
-              <a:rPr lang="en"/>
-              <a:t>Predicitions might be grossly incorrect </a:t>
+              <a:rPr lang="en" dirty="0"/>
+              <a:t>Predicitions might be grossly incorrect</a:t>
             </a:r>
-            <a:endParaRPr/>
+          </a:p>
+          <a:p>
+            <a:pPr marL="457200" lvl="0" indent="-311150" algn="l" rtl="0">
+              <a:spcBef>
+                <a:spcPts val="0"/>
+              </a:spcBef>
+              <a:spcAft>
+                <a:spcPts val="0"/>
+              </a:spcAft>
+              <a:buSzPts val="1300"/>
+              <a:buChar char="●"/>
+            </a:pPr>
+            <a:r>
+              <a:rPr lang="en" dirty="0"/>
+              <a:t>Data isn’t clean after testing and </a:t>
+            </a:r>
+            <a:r>
+              <a:rPr lang="en-US" dirty="0"/>
+              <a:t>needs more cleaning up than I was able to do at this point</a:t>
+            </a:r>
+            <a:r>
+              <a:rPr lang="en" dirty="0"/>
+              <a:t> </a:t>
+            </a:r>
+            <a:endParaRPr dirty="0"/>
           </a:p>
         </p:txBody>
       </p:sp>
